--- a/Français/3. La modélisation/2.Créer et gérer les Schemas.pptx
+++ b/Français/3. La modélisation/2.Créer et gérer les Schemas.pptx
@@ -210,7 +210,7 @@
           <a:p>
             <a:fld id="{056BA3B8-9F76-4D81-B71D-76CB85363062}" type="datetimeFigureOut">
               <a:rPr lang="en-US" smtClean="0"/>
-              <a:t>2/26/2025</a:t>
+              <a:t>3/5/2025</a:t>
             </a:fld>
             <a:endParaRPr lang="en-US"/>
           </a:p>
@@ -609,7 +609,7 @@
           <a:p>
             <a:fld id="{6F01DA4D-20EA-48D2-973C-0311EC3005D6}" type="datetimeFigureOut">
               <a:rPr lang="en-US" smtClean="0"/>
-              <a:t>2/26/2025</a:t>
+              <a:t>3/5/2025</a:t>
             </a:fld>
             <a:endParaRPr lang="en-US"/>
           </a:p>
@@ -779,7 +779,7 @@
           <a:p>
             <a:fld id="{6F01DA4D-20EA-48D2-973C-0311EC3005D6}" type="datetimeFigureOut">
               <a:rPr lang="en-US" smtClean="0"/>
-              <a:t>2/26/2025</a:t>
+              <a:t>3/5/2025</a:t>
             </a:fld>
             <a:endParaRPr lang="en-US"/>
           </a:p>
@@ -959,7 +959,7 @@
           <a:p>
             <a:fld id="{6F01DA4D-20EA-48D2-973C-0311EC3005D6}" type="datetimeFigureOut">
               <a:rPr lang="en-US" smtClean="0"/>
-              <a:t>2/26/2025</a:t>
+              <a:t>3/5/2025</a:t>
             </a:fld>
             <a:endParaRPr lang="en-US"/>
           </a:p>
@@ -1129,7 +1129,7 @@
           <a:p>
             <a:fld id="{6F01DA4D-20EA-48D2-973C-0311EC3005D6}" type="datetimeFigureOut">
               <a:rPr lang="en-US" smtClean="0"/>
-              <a:t>2/26/2025</a:t>
+              <a:t>3/5/2025</a:t>
             </a:fld>
             <a:endParaRPr lang="en-US"/>
           </a:p>
@@ -1375,7 +1375,7 @@
           <a:p>
             <a:fld id="{6F01DA4D-20EA-48D2-973C-0311EC3005D6}" type="datetimeFigureOut">
               <a:rPr lang="en-US" smtClean="0"/>
-              <a:t>2/26/2025</a:t>
+              <a:t>3/5/2025</a:t>
             </a:fld>
             <a:endParaRPr lang="en-US"/>
           </a:p>
@@ -1607,7 +1607,7 @@
           <a:p>
             <a:fld id="{6F01DA4D-20EA-48D2-973C-0311EC3005D6}" type="datetimeFigureOut">
               <a:rPr lang="en-US" smtClean="0"/>
-              <a:t>2/26/2025</a:t>
+              <a:t>3/5/2025</a:t>
             </a:fld>
             <a:endParaRPr lang="en-US"/>
           </a:p>
@@ -1974,7 +1974,7 @@
           <a:p>
             <a:fld id="{6F01DA4D-20EA-48D2-973C-0311EC3005D6}" type="datetimeFigureOut">
               <a:rPr lang="en-US" smtClean="0"/>
-              <a:t>2/26/2025</a:t>
+              <a:t>3/5/2025</a:t>
             </a:fld>
             <a:endParaRPr lang="en-US"/>
           </a:p>
@@ -2092,7 +2092,7 @@
           <a:p>
             <a:fld id="{6F01DA4D-20EA-48D2-973C-0311EC3005D6}" type="datetimeFigureOut">
               <a:rPr lang="en-US" smtClean="0"/>
-              <a:t>2/26/2025</a:t>
+              <a:t>3/5/2025</a:t>
             </a:fld>
             <a:endParaRPr lang="en-US"/>
           </a:p>
@@ -2187,7 +2187,7 @@
           <a:p>
             <a:fld id="{6F01DA4D-20EA-48D2-973C-0311EC3005D6}" type="datetimeFigureOut">
               <a:rPr lang="en-US" smtClean="0"/>
-              <a:t>2/26/2025</a:t>
+              <a:t>3/5/2025</a:t>
             </a:fld>
             <a:endParaRPr lang="en-US"/>
           </a:p>
@@ -2464,7 +2464,7 @@
           <a:p>
             <a:fld id="{6F01DA4D-20EA-48D2-973C-0311EC3005D6}" type="datetimeFigureOut">
               <a:rPr lang="en-US" smtClean="0"/>
-              <a:t>2/26/2025</a:t>
+              <a:t>3/5/2025</a:t>
             </a:fld>
             <a:endParaRPr lang="en-US"/>
           </a:p>
@@ -2717,7 +2717,7 @@
           <a:p>
             <a:fld id="{6F01DA4D-20EA-48D2-973C-0311EC3005D6}" type="datetimeFigureOut">
               <a:rPr lang="en-US" smtClean="0"/>
-              <a:t>2/26/2025</a:t>
+              <a:t>3/5/2025</a:t>
             </a:fld>
             <a:endParaRPr lang="en-US"/>
           </a:p>
@@ -2930,7 +2930,7 @@
           <a:p>
             <a:fld id="{6F01DA4D-20EA-48D2-973C-0311EC3005D6}" type="datetimeFigureOut">
               <a:rPr lang="en-US" smtClean="0"/>
-              <a:t>2/26/2025</a:t>
+              <a:t>3/5/2025</a:t>
             </a:fld>
             <a:endParaRPr lang="en-US"/>
           </a:p>
@@ -3351,7 +3351,7 @@
         </p:nvSpPr>
         <p:spPr>
           <a:xfrm>
-            <a:off x="1191711" y="2009675"/>
+            <a:off x="1274214" y="2140303"/>
             <a:ext cx="9199606" cy="2308324"/>
           </a:xfrm>
           <a:prstGeom prst="rect">
@@ -3367,7 +3367,7 @@
           <a:p>
             <a:pPr algn="ctr"/>
             <a:r>
-              <a:rPr lang="en-US" sz="7200" b="1" dirty="0" smtClean="0">
+              <a:rPr lang="fr-FR" sz="7200" b="1" dirty="0" smtClean="0">
                 <a:solidFill>
                   <a:srgbClr val="7030A0"/>
                 </a:solidFill>
@@ -3375,21 +3375,7 @@
                 <a:ea typeface="Verdana" panose="020B0604030504040204" pitchFamily="34" charset="0"/>
                 <a:cs typeface="Segoe UI" panose="020B0502040204020203" pitchFamily="34" charset="0"/>
               </a:rPr>
-              <a:t>Create and handle</a:t>
-            </a:r>
-          </a:p>
-          <a:p>
-            <a:pPr algn="ctr"/>
-            <a:r>
-              <a:rPr lang="fr-FR" sz="7200" b="1" dirty="0" err="1" smtClean="0">
-                <a:solidFill>
-                  <a:srgbClr val="7030A0"/>
-                </a:solidFill>
-                <a:latin typeface="Segoe UI" panose="020B0502040204020203" pitchFamily="34" charset="0"/>
-                <a:ea typeface="Verdana" panose="020B0604030504040204" pitchFamily="34" charset="0"/>
-                <a:cs typeface="Segoe UI" panose="020B0502040204020203" pitchFamily="34" charset="0"/>
-              </a:rPr>
-              <a:t>schema</a:t>
+              <a:t>Créer et organiser les schémas</a:t>
             </a:r>
             <a:endParaRPr lang="en-US" sz="7200" b="1" dirty="0">
               <a:solidFill>
@@ -3410,7 +3396,7 @@
         </p:nvSpPr>
         <p:spPr>
           <a:xfrm>
-            <a:off x="1191711" y="1948944"/>
+            <a:off x="1198587" y="2079572"/>
             <a:ext cx="9199606" cy="2308324"/>
           </a:xfrm>
           <a:prstGeom prst="rect">
@@ -3426,7 +3412,7 @@
           <a:p>
             <a:pPr algn="ctr"/>
             <a:r>
-              <a:rPr lang="en-US" sz="7200" b="1" dirty="0" smtClean="0">
+              <a:rPr lang="fr-FR" sz="7200" b="1" dirty="0" smtClean="0">
                 <a:solidFill>
                   <a:schemeClr val="bg1"/>
                 </a:solidFill>
@@ -3434,13 +3420,10 @@
                 <a:ea typeface="Verdana" panose="020B0604030504040204" pitchFamily="34" charset="0"/>
                 <a:cs typeface="Segoe UI" panose="020B0502040204020203" pitchFamily="34" charset="0"/>
               </a:rPr>
-              <a:t>Create and handle</a:t>
-            </a:r>
-          </a:p>
-          <a:p>
-            <a:pPr algn="ctr"/>
-            <a:r>
-              <a:rPr lang="fr-FR" sz="7200" b="1" dirty="0" err="1" smtClean="0">
+              <a:t>Cré</a:t>
+            </a:r>
+            <a:r>
+              <a:rPr lang="fr-FR" sz="7200" b="1" dirty="0" smtClean="0">
                 <a:solidFill>
                   <a:schemeClr val="bg1"/>
                 </a:solidFill>
@@ -3448,7 +3431,32 @@
                 <a:ea typeface="Verdana" panose="020B0604030504040204" pitchFamily="34" charset="0"/>
                 <a:cs typeface="Segoe UI" panose="020B0502040204020203" pitchFamily="34" charset="0"/>
               </a:rPr>
-              <a:t>schema</a:t>
+              <a:t>er et organiser</a:t>
+            </a:r>
+          </a:p>
+          <a:p>
+            <a:pPr algn="ctr"/>
+            <a:r>
+              <a:rPr lang="fr-FR" sz="7200" b="1" dirty="0">
+                <a:solidFill>
+                  <a:schemeClr val="bg1"/>
+                </a:solidFill>
+                <a:latin typeface="Segoe UI" panose="020B0502040204020203" pitchFamily="34" charset="0"/>
+                <a:ea typeface="Verdana" panose="020B0604030504040204" pitchFamily="34" charset="0"/>
+                <a:cs typeface="Segoe UI" panose="020B0502040204020203" pitchFamily="34" charset="0"/>
+              </a:rPr>
+              <a:t>l</a:t>
+            </a:r>
+            <a:r>
+              <a:rPr lang="fr-FR" sz="7200" b="1" dirty="0" smtClean="0">
+                <a:solidFill>
+                  <a:schemeClr val="bg1"/>
+                </a:solidFill>
+                <a:latin typeface="Segoe UI" panose="020B0502040204020203" pitchFamily="34" charset="0"/>
+                <a:ea typeface="Verdana" panose="020B0604030504040204" pitchFamily="34" charset="0"/>
+                <a:cs typeface="Segoe UI" panose="020B0502040204020203" pitchFamily="34" charset="0"/>
+              </a:rPr>
+              <a:t>es schémas</a:t>
             </a:r>
             <a:endParaRPr lang="en-US" sz="7200" b="1" dirty="0">
               <a:solidFill>
@@ -3582,7 +3590,7 @@
         <p:spPr>
           <a:xfrm>
             <a:off x="288758" y="275007"/>
-            <a:ext cx="3204275" cy="400110"/>
+            <a:ext cx="3824637" cy="400110"/>
           </a:xfrm>
           <a:prstGeom prst="rect">
             <a:avLst/>
@@ -3600,7 +3608,7 @@
                 <a:latin typeface="Segoe UI" panose="020B0502040204020203" pitchFamily="34" charset="0"/>
                 <a:cs typeface="Segoe UI" panose="020B0502040204020203" pitchFamily="34" charset="0"/>
               </a:rPr>
-              <a:t>Créer et gérer un schéma</a:t>
+              <a:t>Créer et organiser les schémas</a:t>
             </a:r>
             <a:endParaRPr lang="en-US" sz="2000" b="1" dirty="0">
               <a:latin typeface="Segoe UI" panose="020B0502040204020203" pitchFamily="34" charset="0"/>
@@ -3719,7 +3727,7 @@
         <p:spPr>
           <a:xfrm>
             <a:off x="288758" y="275007"/>
-            <a:ext cx="3204275" cy="400110"/>
+            <a:ext cx="3824637" cy="400110"/>
           </a:xfrm>
           <a:prstGeom prst="rect">
             <a:avLst/>
@@ -3737,7 +3745,7 @@
                 <a:latin typeface="Segoe UI" panose="020B0502040204020203" pitchFamily="34" charset="0"/>
                 <a:cs typeface="Segoe UI" panose="020B0502040204020203" pitchFamily="34" charset="0"/>
               </a:rPr>
-              <a:t>Créer et gérer un schéma</a:t>
+              <a:t>Créer et organiser les schémas</a:t>
             </a:r>
             <a:endParaRPr lang="en-US" sz="2000" b="1" dirty="0">
               <a:latin typeface="Segoe UI" panose="020B0502040204020203" pitchFamily="34" charset="0"/>
@@ -4078,7 +4086,7 @@
         <p:spPr>
           <a:xfrm>
             <a:off x="288758" y="275007"/>
-            <a:ext cx="3204275" cy="400110"/>
+            <a:ext cx="3824637" cy="400110"/>
           </a:xfrm>
           <a:prstGeom prst="rect">
             <a:avLst/>
@@ -4096,7 +4104,7 @@
                 <a:latin typeface="Segoe UI" panose="020B0502040204020203" pitchFamily="34" charset="0"/>
                 <a:cs typeface="Segoe UI" panose="020B0502040204020203" pitchFamily="34" charset="0"/>
               </a:rPr>
-              <a:t>Créer et gérer un schéma</a:t>
+              <a:t>Créer et organiser les schémas</a:t>
             </a:r>
             <a:endParaRPr lang="en-US" sz="2000" b="1" dirty="0">
               <a:latin typeface="Segoe UI" panose="020B0502040204020203" pitchFamily="34" charset="0"/>
@@ -4168,7 +4176,7 @@
         <p:spPr>
           <a:xfrm>
             <a:off x="288758" y="275007"/>
-            <a:ext cx="3204275" cy="400110"/>
+            <a:ext cx="3824637" cy="400110"/>
           </a:xfrm>
           <a:prstGeom prst="rect">
             <a:avLst/>
@@ -4186,7 +4194,7 @@
                 <a:latin typeface="Segoe UI" panose="020B0502040204020203" pitchFamily="34" charset="0"/>
                 <a:cs typeface="Segoe UI" panose="020B0502040204020203" pitchFamily="34" charset="0"/>
               </a:rPr>
-              <a:t>Créer et gérer un schéma</a:t>
+              <a:t>Créer et organiser les schémas</a:t>
             </a:r>
             <a:endParaRPr lang="en-US" sz="2000" b="1" dirty="0">
               <a:latin typeface="Segoe UI" panose="020B0502040204020203" pitchFamily="34" charset="0"/>
@@ -4651,7 +4659,7 @@
         <p:spPr>
           <a:xfrm>
             <a:off x="288758" y="275007"/>
-            <a:ext cx="3204275" cy="400110"/>
+            <a:ext cx="3824637" cy="400110"/>
           </a:xfrm>
           <a:prstGeom prst="rect">
             <a:avLst/>
@@ -4669,7 +4677,7 @@
                 <a:latin typeface="Segoe UI" panose="020B0502040204020203" pitchFamily="34" charset="0"/>
                 <a:cs typeface="Segoe UI" panose="020B0502040204020203" pitchFamily="34" charset="0"/>
               </a:rPr>
-              <a:t>Créer et gérer un schéma</a:t>
+              <a:t>Créer et organiser les schémas</a:t>
             </a:r>
             <a:endParaRPr lang="en-US" sz="2000" b="1" dirty="0">
               <a:latin typeface="Segoe UI" panose="020B0502040204020203" pitchFamily="34" charset="0"/>
@@ -4825,8 +4833,8 @@
         </p:nvSpPr>
         <p:spPr>
           <a:xfrm>
-            <a:off x="346051" y="1192531"/>
-            <a:ext cx="10839880" cy="707886"/>
+            <a:off x="346050" y="1192531"/>
+            <a:ext cx="11314269" cy="400110"/>
           </a:xfrm>
           <a:prstGeom prst="rect">
             <a:avLst/>
@@ -4905,7 +4913,7 @@
         <p:spPr>
           <a:xfrm>
             <a:off x="288758" y="275007"/>
-            <a:ext cx="3204275" cy="400110"/>
+            <a:ext cx="3824637" cy="400110"/>
           </a:xfrm>
           <a:prstGeom prst="rect">
             <a:avLst/>
@@ -4923,7 +4931,7 @@
                 <a:latin typeface="Segoe UI" panose="020B0502040204020203" pitchFamily="34" charset="0"/>
                 <a:cs typeface="Segoe UI" panose="020B0502040204020203" pitchFamily="34" charset="0"/>
               </a:rPr>
-              <a:t>Créer et gérer un schéma</a:t>
+              <a:t>Créer et organiser les schémas</a:t>
             </a:r>
             <a:endParaRPr lang="en-US" sz="2000" b="1" dirty="0">
               <a:latin typeface="Segoe UI" panose="020B0502040204020203" pitchFamily="34" charset="0"/>
@@ -5369,7 +5377,7 @@
         <p:spPr>
           <a:xfrm>
             <a:off x="288758" y="275007"/>
-            <a:ext cx="3204275" cy="400110"/>
+            <a:ext cx="3824637" cy="400110"/>
           </a:xfrm>
           <a:prstGeom prst="rect">
             <a:avLst/>
@@ -5387,7 +5395,7 @@
                 <a:latin typeface="Segoe UI" panose="020B0502040204020203" pitchFamily="34" charset="0"/>
                 <a:cs typeface="Segoe UI" panose="020B0502040204020203" pitchFamily="34" charset="0"/>
               </a:rPr>
-              <a:t>Créer et gérer un schéma</a:t>
+              <a:t>Créer et organiser les schémas</a:t>
             </a:r>
             <a:endParaRPr lang="en-US" sz="2000" b="1" dirty="0">
               <a:latin typeface="Segoe UI" panose="020B0502040204020203" pitchFamily="34" charset="0"/>
@@ -5614,7 +5622,7 @@
         <p:spPr>
           <a:xfrm>
             <a:off x="288758" y="275007"/>
-            <a:ext cx="3204275" cy="400110"/>
+            <a:ext cx="3824637" cy="400110"/>
           </a:xfrm>
           <a:prstGeom prst="rect">
             <a:avLst/>
@@ -5632,7 +5640,7 @@
                 <a:latin typeface="Segoe UI" panose="020B0502040204020203" pitchFamily="34" charset="0"/>
                 <a:cs typeface="Segoe UI" panose="020B0502040204020203" pitchFamily="34" charset="0"/>
               </a:rPr>
-              <a:t>Créer et gérer un schéma</a:t>
+              <a:t>Créer et organiser les schémas</a:t>
             </a:r>
             <a:endParaRPr lang="en-US" sz="2000" b="1" dirty="0">
               <a:latin typeface="Segoe UI" panose="020B0502040204020203" pitchFamily="34" charset="0"/>
@@ -5803,7 +5811,7 @@
         <p:spPr>
           <a:xfrm>
             <a:off x="288758" y="275007"/>
-            <a:ext cx="3204275" cy="400110"/>
+            <a:ext cx="3824637" cy="400110"/>
           </a:xfrm>
           <a:prstGeom prst="rect">
             <a:avLst/>
@@ -5821,7 +5829,7 @@
                 <a:latin typeface="Segoe UI" panose="020B0502040204020203" pitchFamily="34" charset="0"/>
                 <a:cs typeface="Segoe UI" panose="020B0502040204020203" pitchFamily="34" charset="0"/>
               </a:rPr>
-              <a:t>Créer et gérer un schéma</a:t>
+              <a:t>Créer et organiser les schémas</a:t>
             </a:r>
             <a:endParaRPr lang="en-US" sz="2000" b="1" dirty="0">
               <a:latin typeface="Segoe UI" panose="020B0502040204020203" pitchFamily="34" charset="0"/>
@@ -6048,7 +6056,7 @@
         <p:spPr>
           <a:xfrm>
             <a:off x="288758" y="275007"/>
-            <a:ext cx="3204275" cy="400110"/>
+            <a:ext cx="3824637" cy="400110"/>
           </a:xfrm>
           <a:prstGeom prst="rect">
             <a:avLst/>
@@ -6066,7 +6074,7 @@
                 <a:latin typeface="Segoe UI" panose="020B0502040204020203" pitchFamily="34" charset="0"/>
                 <a:cs typeface="Segoe UI" panose="020B0502040204020203" pitchFamily="34" charset="0"/>
               </a:rPr>
-              <a:t>Créer et gérer un schéma</a:t>
+              <a:t>Créer et organiser les schémas</a:t>
             </a:r>
             <a:endParaRPr lang="en-US" sz="2000" b="1" dirty="0">
               <a:latin typeface="Segoe UI" panose="020B0502040204020203" pitchFamily="34" charset="0"/>
@@ -6225,7 +6233,7 @@
         <p:spPr>
           <a:xfrm>
             <a:off x="288758" y="275007"/>
-            <a:ext cx="3204275" cy="400110"/>
+            <a:ext cx="3824637" cy="400110"/>
           </a:xfrm>
           <a:prstGeom prst="rect">
             <a:avLst/>
@@ -6243,7 +6251,7 @@
                 <a:latin typeface="Segoe UI" panose="020B0502040204020203" pitchFamily="34" charset="0"/>
                 <a:cs typeface="Segoe UI" panose="020B0502040204020203" pitchFamily="34" charset="0"/>
               </a:rPr>
-              <a:t>Créer et gérer un schéma</a:t>
+              <a:t>Créer et organiser les schémas</a:t>
             </a:r>
             <a:endParaRPr lang="en-US" sz="2000" b="1" dirty="0">
               <a:latin typeface="Segoe UI" panose="020B0502040204020203" pitchFamily="34" charset="0"/>
@@ -6442,7 +6450,7 @@
         <p:spPr>
           <a:xfrm>
             <a:off x="288758" y="275007"/>
-            <a:ext cx="3204275" cy="400110"/>
+            <a:ext cx="3824637" cy="400110"/>
           </a:xfrm>
           <a:prstGeom prst="rect">
             <a:avLst/>
@@ -6460,7 +6468,7 @@
                 <a:latin typeface="Segoe UI" panose="020B0502040204020203" pitchFamily="34" charset="0"/>
                 <a:cs typeface="Segoe UI" panose="020B0502040204020203" pitchFamily="34" charset="0"/>
               </a:rPr>
-              <a:t>Créer et gérer un schéma</a:t>
+              <a:t>Créer et organiser les schémas</a:t>
             </a:r>
             <a:endParaRPr lang="en-US" sz="2000" b="1" dirty="0">
               <a:latin typeface="Segoe UI" panose="020B0502040204020203" pitchFamily="34" charset="0"/>
